--- a/projet RH.pptx
+++ b/projet RH.pptx
@@ -9321,7 +9321,7 @@
         </p:nvGrpSpPr>
         <p:grpSpPr>
           <a:xfrm rot="0">
-            <a:off x="3140100" y="2946276"/>
+            <a:off x="5180171" y="1725188"/>
             <a:ext cx="12007800" cy="4532268"/>
             <a:chOff x="0" y="0"/>
             <a:chExt cx="16010400" cy="6043024"/>
@@ -9417,7 +9417,7 @@
         </p:nvSpPr>
         <p:spPr>
           <a:xfrm rot="0">
-            <a:off x="5180171" y="6694297"/>
+            <a:off x="5852654" y="5900269"/>
             <a:ext cx="8626350" cy="695325"/>
           </a:xfrm>
           <a:prstGeom prst="rect">
@@ -9458,8 +9458,8 @@
         </p:nvSpPr>
         <p:spPr>
           <a:xfrm rot="0">
-            <a:off x="161427" y="619931"/>
-            <a:ext cx="15422987" cy="498061"/>
+            <a:off x="161427" y="638981"/>
+            <a:ext cx="10508001" cy="1631920"/>
           </a:xfrm>
           <a:prstGeom prst="rect">
             <a:avLst/>
@@ -9471,13 +9471,13 @@
           </a:bodyPr>
           <a:lstStyle/>
           <a:p>
-            <a:pPr algn="ctr">
+            <a:pPr algn="l">
               <a:lnSpc>
-                <a:spcPts val="3815"/>
+                <a:spcPts val="2599"/>
               </a:lnSpc>
             </a:pPr>
             <a:r>
-              <a:rPr lang="en-US" sz="3179">
+              <a:rPr lang="en-US" sz="2166">
                 <a:solidFill>
                   <a:srgbClr val="FFFFFF"/>
                 </a:solidFill>
@@ -9486,7 +9486,95 @@
                 <a:cs typeface="Arimo"/>
                 <a:sym typeface="Arimo"/>
               </a:rPr>
-              <a:t>Projet realisé par: CHENTOUFI EL ALAMI Hamza &amp; ELOUEDRHIIRI Abdelbadii      </a:t>
+              <a:t>Projet realisé par:</a:t>
+            </a:r>
+          </a:p>
+          <a:p>
+            <a:pPr algn="l">
+              <a:lnSpc>
+                <a:spcPts val="2599"/>
+              </a:lnSpc>
+            </a:pPr>
+            <a:r>
+              <a:rPr lang="en-US" sz="2166">
+                <a:solidFill>
+                  <a:srgbClr val="FFFFFF"/>
+                </a:solidFill>
+                <a:latin typeface="Arimo"/>
+                <a:ea typeface="Arimo"/>
+                <a:cs typeface="Arimo"/>
+                <a:sym typeface="Arimo"/>
+              </a:rPr>
+              <a:t> -CHENTOUFI EL ALAMI Hamza </a:t>
+            </a:r>
+          </a:p>
+          <a:p>
+            <a:pPr algn="l">
+              <a:lnSpc>
+                <a:spcPts val="2599"/>
+              </a:lnSpc>
+            </a:pPr>
+            <a:r>
+              <a:rPr lang="en-US" sz="2166">
+                <a:solidFill>
+                  <a:srgbClr val="FFFFFF"/>
+                </a:solidFill>
+                <a:latin typeface="Arimo"/>
+                <a:ea typeface="Arimo"/>
+                <a:cs typeface="Arimo"/>
+                <a:sym typeface="Arimo"/>
+              </a:rPr>
+              <a:t> -LOURAOUI Ayoub </a:t>
+            </a:r>
+          </a:p>
+          <a:p>
+            <a:pPr algn="l">
+              <a:lnSpc>
+                <a:spcPts val="2599"/>
+              </a:lnSpc>
+            </a:pPr>
+            <a:r>
+              <a:rPr lang="en-US" sz="2166">
+                <a:solidFill>
+                  <a:srgbClr val="FFFFFF"/>
+                </a:solidFill>
+                <a:latin typeface="Arimo"/>
+                <a:ea typeface="Arimo"/>
+                <a:cs typeface="Arimo"/>
+                <a:sym typeface="Arimo"/>
+              </a:rPr>
+              <a:t>-</a:t>
+            </a:r>
+            <a:r>
+              <a:rPr lang="en-US" sz="2166">
+                <a:solidFill>
+                  <a:srgbClr val="FFFFFF"/>
+                </a:solidFill>
+                <a:latin typeface="Arimo"/>
+                <a:ea typeface="Arimo"/>
+                <a:cs typeface="Arimo"/>
+                <a:sym typeface="Arimo"/>
+              </a:rPr>
+              <a:t>ABDELKHALEQ Ibrahim </a:t>
+            </a:r>
+          </a:p>
+          <a:p>
+            <a:pPr algn="l">
+              <a:lnSpc>
+                <a:spcPts val="2599"/>
+              </a:lnSpc>
+            </a:pPr>
+            <a:r>
+              <a:rPr lang="en-US" sz="2166">
+                <a:solidFill>
+                  <a:srgbClr val="FFFFFF"/>
+                </a:solidFill>
+                <a:latin typeface="Arimo"/>
+                <a:ea typeface="Arimo"/>
+                <a:cs typeface="Arimo"/>
+                <a:sym typeface="Arimo"/>
+              </a:rPr>
+              <a:t>- ELOUEDRHIIRI Abdelbadii </a:t>
             </a:r>
           </a:p>
         </p:txBody>
@@ -14485,7 +14573,7 @@
         <p:spPr>
           <a:xfrm rot="0">
             <a:off x="3058949" y="1837443"/>
-            <a:ext cx="13725808" cy="7858125"/>
+            <a:ext cx="13725808" cy="6257925"/>
           </a:xfrm>
           <a:prstGeom prst="rect">
             <a:avLst/>
@@ -14597,39 +14685,6 @@
             </a:pPr>
           </a:p>
           <a:p>
-            <a:pPr algn="l" marL="763180" indent="-381590" lvl="1">
-              <a:lnSpc>
-                <a:spcPts val="4241"/>
-              </a:lnSpc>
-              <a:buFont typeface="Arial"/>
-              <a:buChar char="•"/>
-            </a:pPr>
-            <a:r>
-              <a:rPr lang="en-US" sz="3534">
-                <a:solidFill>
-                  <a:srgbClr val="FFFFFF"/>
-                </a:solidFill>
-                <a:latin typeface="Arimo"/>
-                <a:ea typeface="Arimo"/>
-                <a:cs typeface="Arimo"/>
-                <a:sym typeface="Arimo"/>
-              </a:rPr>
-              <a:t>G</a:t>
-            </a:r>
-            <a:r>
-              <a:rPr lang="en-US" sz="3534">
-                <a:solidFill>
-                  <a:srgbClr val="FFFFFF"/>
-                </a:solidFill>
-                <a:latin typeface="Arimo"/>
-                <a:ea typeface="Arimo"/>
-                <a:cs typeface="Arimo"/>
-                <a:sym typeface="Arimo"/>
-              </a:rPr>
-              <a:t>estion des rôles (Admin / RH / Employé)</a:t>
-            </a:r>
-          </a:p>
-          <a:p>
             <a:pPr algn="l">
               <a:lnSpc>
                 <a:spcPts val="4241"/>
@@ -14667,58 +14722,6 @@
                 <a:sym typeface="Arimo"/>
               </a:rPr>
               <a:t>ort PDF des fiches de paie</a:t>
-            </a:r>
-          </a:p>
-          <a:p>
-            <a:pPr algn="l">
-              <a:lnSpc>
-                <a:spcPts val="4241"/>
-              </a:lnSpc>
-            </a:pPr>
-          </a:p>
-          <a:p>
-            <a:pPr algn="l" marL="763180" indent="-381590" lvl="1">
-              <a:lnSpc>
-                <a:spcPts val="4241"/>
-              </a:lnSpc>
-              <a:buFont typeface="Arial"/>
-              <a:buChar char="•"/>
-            </a:pPr>
-            <a:r>
-              <a:rPr lang="en-US" sz="3534">
-                <a:solidFill>
-                  <a:srgbClr val="FFFFFF"/>
-                </a:solidFill>
-                <a:latin typeface="Arimo"/>
-                <a:ea typeface="Arimo"/>
-                <a:cs typeface="Arimo"/>
-                <a:sym typeface="Arimo"/>
-              </a:rPr>
-              <a:t>Historiq</a:t>
-            </a:r>
-            <a:r>
-              <a:rPr lang="en-US" sz="3534">
-                <a:solidFill>
-                  <a:srgbClr val="FFFFFF"/>
-                </a:solidFill>
-                <a:latin typeface="Arimo"/>
-                <a:ea typeface="Arimo"/>
-                <a:cs typeface="Arimo"/>
-                <a:sym typeface="Arimo"/>
-              </a:rPr>
-              <a:t>u</a:t>
-            </a:r>
-            <a:r>
-              <a:rPr lang="en-US" sz="3534">
-                <a:solidFill>
-                  <a:srgbClr val="FFFFFF"/>
-                </a:solidFill>
-                <a:latin typeface="Arimo"/>
-                <a:ea typeface="Arimo"/>
-                <a:cs typeface="Arimo"/>
-                <a:sym typeface="Arimo"/>
-              </a:rPr>
-              <a:t>e des congés</a:t>
             </a:r>
           </a:p>
           <a:p>
@@ -16589,8 +16592,8 @@
         </p:nvSpPr>
         <p:spPr>
           <a:xfrm flipH="false" flipV="false" rot="0">
-            <a:off x="6471128" y="754812"/>
-            <a:ext cx="11223648" cy="9415263"/>
+            <a:off x="6506522" y="597737"/>
+            <a:ext cx="11223648" cy="9689263"/>
           </a:xfrm>
           <a:custGeom>
             <a:avLst/>
@@ -16599,7 +16602,7 @@
             <a:cxnLst/>
             <a:rect r="r" b="b" t="t" l="l"/>
             <a:pathLst>
-              <a:path h="9415263" w="11223648">
+              <a:path h="9689263" w="11223648">
                 <a:moveTo>
                   <a:pt x="0" y="0"/>
                 </a:moveTo>
@@ -16607,10 +16610,10 @@
                   <a:pt x="11223648" y="0"/>
                 </a:lnTo>
                 <a:lnTo>
-                  <a:pt x="11223648" y="9415263"/>
+                  <a:pt x="11223648" y="9689263"/>
                 </a:lnTo>
                 <a:lnTo>
-                  <a:pt x="0" y="9415263"/>
+                  <a:pt x="0" y="9689263"/>
                 </a:lnTo>
                 <a:lnTo>
                   <a:pt x="0" y="0"/>
@@ -16622,7 +16625,7 @@
           <a:blipFill>
             <a:blip r:embed="rId3"/>
             <a:stretch>
-              <a:fillRect l="0" t="-448" r="0" b="-5183"/>
+              <a:fillRect l="0" t="-435" r="0" b="-2209"/>
             </a:stretch>
           </a:blipFill>
         </p:spPr>
